--- a/PyPptB1_3.pptx
+++ b/PyPptB1_3.pptx
@@ -27208,7 +27208,7 @@
               </a:spcAft>
               <a:buNone/>
             </a:pPr>
-            <a:endParaRPr/>
+            <a:endParaRPr dirty="0"/>
           </a:p>
         </p:txBody>
       </p:sp>
@@ -30803,7 +30803,7 @@
       <p:bgPr>
         <a:blipFill dpi="0" rotWithShape="1">
           <a:blip r:embed="rId13">
-            <a:alphaModFix amt="50000"/>
+            <a:alphaModFix amt="35000"/>
             <a:lum/>
           </a:blip>
           <a:srcRect/>
@@ -34572,21 +34572,6 @@
               </a:solidFill>
             </a:endParaRPr>
           </a:p>
-          <a:p>
-            <a:pPr marL="274320" indent="-285750">
-              <a:lnSpc>
-                <a:spcPct val="100000"/>
-              </a:lnSpc>
-              <a:spcAft>
-                <a:spcPts val="1200"/>
-              </a:spcAft>
-            </a:pPr>
-            <a:endParaRPr dirty="0">
-              <a:solidFill>
-                <a:schemeClr val="tx1"/>
-              </a:solidFill>
-            </a:endParaRPr>
-          </a:p>
         </p:txBody>
       </p:sp>
       <p:pic>
@@ -34641,6 +34626,104 @@
           </a:ln>
         </p:spPr>
       </p:pic>
+      <p:sp>
+        <p:nvSpPr>
+          <p:cNvPr id="2" name="Rectangle: Rounded Corners 1">
+            <a:extLst>
+              <a:ext uri="{FF2B5EF4-FFF2-40B4-BE49-F238E27FC236}">
+                <a16:creationId xmlns:a16="http://schemas.microsoft.com/office/drawing/2014/main" id="{5AFE06B6-6B1E-412D-BD2B-60D9AE242CFF}"/>
+              </a:ext>
+            </a:extLst>
+          </p:cNvPr>
+          <p:cNvSpPr/>
+          <p:nvPr/>
+        </p:nvSpPr>
+        <p:spPr>
+          <a:xfrm>
+            <a:off x="3347884" y="4451677"/>
+            <a:ext cx="2448232" cy="539273"/>
+          </a:xfrm>
+          <a:prstGeom prst="roundRect">
+            <a:avLst/>
+          </a:prstGeom>
+        </p:spPr>
+        <p:style>
+          <a:lnRef idx="2">
+            <a:schemeClr val="accent1">
+              <a:shade val="50000"/>
+            </a:schemeClr>
+          </a:lnRef>
+          <a:fillRef idx="1">
+            <a:schemeClr val="accent1"/>
+          </a:fillRef>
+          <a:effectRef idx="0">
+            <a:schemeClr val="accent1"/>
+          </a:effectRef>
+          <a:fontRef idx="minor">
+            <a:schemeClr val="lt1"/>
+          </a:fontRef>
+        </p:style>
+        <p:txBody>
+          <a:bodyPr rtlCol="0" anchor="ctr"/>
+          <a:lstStyle/>
+          <a:p>
+            <a:pPr algn="ctr"/>
+            <a:endParaRPr lang="en-US"/>
+          </a:p>
+        </p:txBody>
+      </p:sp>
+      <p:sp>
+        <p:nvSpPr>
+          <p:cNvPr id="3" name="TextBox 2">
+            <a:extLst>
+              <a:ext uri="{FF2B5EF4-FFF2-40B4-BE49-F238E27FC236}">
+                <a16:creationId xmlns:a16="http://schemas.microsoft.com/office/drawing/2014/main" id="{B45223D6-CD0C-47DE-A674-1B2AEB5A2528}"/>
+              </a:ext>
+            </a:extLst>
+          </p:cNvPr>
+          <p:cNvSpPr txBox="1"/>
+          <p:nvPr/>
+        </p:nvSpPr>
+        <p:spPr>
+          <a:xfrm>
+            <a:off x="3598606" y="4459703"/>
+            <a:ext cx="1976284" cy="523220"/>
+          </a:xfrm>
+          <a:prstGeom prst="rect">
+            <a:avLst/>
+          </a:prstGeom>
+          <a:noFill/>
+        </p:spPr>
+        <p:txBody>
+          <a:bodyPr wrap="square" rtlCol="0">
+            <a:spAutoFit/>
+          </a:bodyPr>
+          <a:lstStyle/>
+          <a:p>
+            <a:r>
+              <a:rPr lang="en-US" sz="2800" b="1" dirty="0"/>
+              <a:t>T</a:t>
+            </a:r>
+            <a:r>
+              <a:rPr lang="en-US" sz="2000" b="1" dirty="0"/>
+              <a:t>HANK</a:t>
+            </a:r>
+            <a:r>
+              <a:rPr lang="en-US" sz="2800" b="1" dirty="0"/>
+              <a:t> Y</a:t>
+            </a:r>
+            <a:r>
+              <a:rPr lang="en-US" sz="2000" b="1" dirty="0"/>
+              <a:t>OU</a:t>
+            </a:r>
+            <a:r>
+              <a:rPr lang="en-US" sz="2800" b="1" dirty="0"/>
+              <a:t>!</a:t>
+            </a:r>
+            <a:endParaRPr lang="en-US" b="1" dirty="0"/>
+          </a:p>
+        </p:txBody>
+      </p:sp>
     </p:spTree>
   </p:cSld>
   <p:clrMapOvr>
@@ -34991,6 +35074,94 @@
                       </p:childTnLst>
                     </p:cTn>
                   </p:par>
+                  <p:par>
+                    <p:cTn id="28" fill="hold">
+                      <p:stCondLst>
+                        <p:cond delay="indefinite"/>
+                      </p:stCondLst>
+                      <p:childTnLst>
+                        <p:par>
+                          <p:cTn id="29" fill="hold">
+                            <p:stCondLst>
+                              <p:cond delay="0"/>
+                            </p:stCondLst>
+                            <p:childTnLst>
+                              <p:par>
+                                <p:cTn id="30" presetID="10" presetClass="entr" presetSubtype="0" fill="hold" grpId="0" nodeType="clickEffect">
+                                  <p:stCondLst>
+                                    <p:cond delay="0"/>
+                                  </p:stCondLst>
+                                  <p:childTnLst>
+                                    <p:set>
+                                      <p:cBhvr>
+                                        <p:cTn id="31" dur="1" fill="hold">
+                                          <p:stCondLst>
+                                            <p:cond delay="0"/>
+                                          </p:stCondLst>
+                                        </p:cTn>
+                                        <p:tgtEl>
+                                          <p:spTgt spid="2"/>
+                                        </p:tgtEl>
+                                        <p:attrNameLst>
+                                          <p:attrName>style.visibility</p:attrName>
+                                        </p:attrNameLst>
+                                      </p:cBhvr>
+                                      <p:to>
+                                        <p:strVal val="visible"/>
+                                      </p:to>
+                                    </p:set>
+                                    <p:animEffect transition="in" filter="fade">
+                                      <p:cBhvr>
+                                        <p:cTn id="32" dur="500"/>
+                                        <p:tgtEl>
+                                          <p:spTgt spid="2"/>
+                                        </p:tgtEl>
+                                      </p:cBhvr>
+                                    </p:animEffect>
+                                  </p:childTnLst>
+                                </p:cTn>
+                              </p:par>
+                              <p:par>
+                                <p:cTn id="33" presetID="10" presetClass="entr" presetSubtype="0" fill="hold" grpId="0" nodeType="withEffect">
+                                  <p:stCondLst>
+                                    <p:cond delay="0"/>
+                                  </p:stCondLst>
+                                  <p:childTnLst>
+                                    <p:set>
+                                      <p:cBhvr>
+                                        <p:cTn id="34" dur="1" fill="hold">
+                                          <p:stCondLst>
+                                            <p:cond delay="0"/>
+                                          </p:stCondLst>
+                                        </p:cTn>
+                                        <p:tgtEl>
+                                          <p:spTgt spid="3"/>
+                                        </p:tgtEl>
+                                        <p:attrNameLst>
+                                          <p:attrName>style.visibility</p:attrName>
+                                        </p:attrNameLst>
+                                      </p:cBhvr>
+                                      <p:to>
+                                        <p:strVal val="visible"/>
+                                      </p:to>
+                                    </p:set>
+                                    <p:animEffect transition="in" filter="fade">
+                                      <p:cBhvr>
+                                        <p:cTn id="35" dur="500"/>
+                                        <p:tgtEl>
+                                          <p:spTgt spid="3"/>
+                                        </p:tgtEl>
+                                      </p:cBhvr>
+                                    </p:animEffect>
+                                  </p:childTnLst>
+                                </p:cTn>
+                              </p:par>
+                            </p:childTnLst>
+                          </p:cTn>
+                        </p:par>
+                      </p:childTnLst>
+                    </p:cTn>
+                  </p:par>
                 </p:childTnLst>
               </p:cTn>
               <p:prevCondLst>
@@ -35012,6 +35183,10 @@
         </p:cTn>
       </p:par>
     </p:tnLst>
+    <p:bldLst>
+      <p:bldP spid="2" grpId="0" animBg="1"/>
+      <p:bldP spid="3" grpId="0"/>
+    </p:bldLst>
   </p:timing>
 </p:sld>
 </file>
